--- a/IFD_figure_ideas.pptx
+++ b/IFD_figure_ideas.pptx
@@ -210,7 +210,7 @@
           <a:p>
             <a:fld id="{7E932C88-DB13-4CDC-93CF-3D59020D99F0}" type="datetimeFigureOut">
               <a:rPr lang="en-US" smtClean="0"/>
-              <a:t>4/14/2020</a:t>
+              <a:t>4/15/2020</a:t>
             </a:fld>
             <a:endParaRPr lang="en-US"/>
           </a:p>
@@ -944,7 +944,7 @@
           <a:p>
             <a:fld id="{53FBB08D-8B6E-4CC4-AAFF-DAD484D199D5}" type="datetimeFigureOut">
               <a:rPr lang="en-US" smtClean="0"/>
-              <a:t>4/14/2020</a:t>
+              <a:t>4/15/2020</a:t>
             </a:fld>
             <a:endParaRPr lang="en-US"/>
           </a:p>
@@ -1114,7 +1114,7 @@
           <a:p>
             <a:fld id="{53FBB08D-8B6E-4CC4-AAFF-DAD484D199D5}" type="datetimeFigureOut">
               <a:rPr lang="en-US" smtClean="0"/>
-              <a:t>4/14/2020</a:t>
+              <a:t>4/15/2020</a:t>
             </a:fld>
             <a:endParaRPr lang="en-US"/>
           </a:p>
@@ -1294,7 +1294,7 @@
           <a:p>
             <a:fld id="{53FBB08D-8B6E-4CC4-AAFF-DAD484D199D5}" type="datetimeFigureOut">
               <a:rPr lang="en-US" smtClean="0"/>
-              <a:t>4/14/2020</a:t>
+              <a:t>4/15/2020</a:t>
             </a:fld>
             <a:endParaRPr lang="en-US"/>
           </a:p>
@@ -1464,7 +1464,7 @@
           <a:p>
             <a:fld id="{53FBB08D-8B6E-4CC4-AAFF-DAD484D199D5}" type="datetimeFigureOut">
               <a:rPr lang="en-US" smtClean="0"/>
-              <a:t>4/14/2020</a:t>
+              <a:t>4/15/2020</a:t>
             </a:fld>
             <a:endParaRPr lang="en-US"/>
           </a:p>
@@ -1710,7 +1710,7 @@
           <a:p>
             <a:fld id="{53FBB08D-8B6E-4CC4-AAFF-DAD484D199D5}" type="datetimeFigureOut">
               <a:rPr lang="en-US" smtClean="0"/>
-              <a:t>4/14/2020</a:t>
+              <a:t>4/15/2020</a:t>
             </a:fld>
             <a:endParaRPr lang="en-US"/>
           </a:p>
@@ -1942,7 +1942,7 @@
           <a:p>
             <a:fld id="{53FBB08D-8B6E-4CC4-AAFF-DAD484D199D5}" type="datetimeFigureOut">
               <a:rPr lang="en-US" smtClean="0"/>
-              <a:t>4/14/2020</a:t>
+              <a:t>4/15/2020</a:t>
             </a:fld>
             <a:endParaRPr lang="en-US"/>
           </a:p>
@@ -2309,7 +2309,7 @@
           <a:p>
             <a:fld id="{53FBB08D-8B6E-4CC4-AAFF-DAD484D199D5}" type="datetimeFigureOut">
               <a:rPr lang="en-US" smtClean="0"/>
-              <a:t>4/14/2020</a:t>
+              <a:t>4/15/2020</a:t>
             </a:fld>
             <a:endParaRPr lang="en-US"/>
           </a:p>
@@ -2427,7 +2427,7 @@
           <a:p>
             <a:fld id="{53FBB08D-8B6E-4CC4-AAFF-DAD484D199D5}" type="datetimeFigureOut">
               <a:rPr lang="en-US" smtClean="0"/>
-              <a:t>4/14/2020</a:t>
+              <a:t>4/15/2020</a:t>
             </a:fld>
             <a:endParaRPr lang="en-US"/>
           </a:p>
@@ -2522,7 +2522,7 @@
           <a:p>
             <a:fld id="{53FBB08D-8B6E-4CC4-AAFF-DAD484D199D5}" type="datetimeFigureOut">
               <a:rPr lang="en-US" smtClean="0"/>
-              <a:t>4/14/2020</a:t>
+              <a:t>4/15/2020</a:t>
             </a:fld>
             <a:endParaRPr lang="en-US"/>
           </a:p>
@@ -2799,7 +2799,7 @@
           <a:p>
             <a:fld id="{53FBB08D-8B6E-4CC4-AAFF-DAD484D199D5}" type="datetimeFigureOut">
               <a:rPr lang="en-US" smtClean="0"/>
-              <a:t>4/14/2020</a:t>
+              <a:t>4/15/2020</a:t>
             </a:fld>
             <a:endParaRPr lang="en-US"/>
           </a:p>
@@ -3052,7 +3052,7 @@
           <a:p>
             <a:fld id="{53FBB08D-8B6E-4CC4-AAFF-DAD484D199D5}" type="datetimeFigureOut">
               <a:rPr lang="en-US" smtClean="0"/>
-              <a:t>4/14/2020</a:t>
+              <a:t>4/15/2020</a:t>
             </a:fld>
             <a:endParaRPr lang="en-US"/>
           </a:p>
@@ -3265,7 +3265,7 @@
           <a:p>
             <a:fld id="{53FBB08D-8B6E-4CC4-AAFF-DAD484D199D5}" type="datetimeFigureOut">
               <a:rPr lang="en-US" smtClean="0"/>
-              <a:t>4/14/2020</a:t>
+              <a:t>4/15/2020</a:t>
             </a:fld>
             <a:endParaRPr lang="en-US"/>
           </a:p>
@@ -3778,7 +3778,6 @@
               <a:rPr lang="en-US" sz="1400" dirty="0"/>
               <a:t>(6).</a:t>
             </a:r>
-            <a:endParaRPr lang="en-US" sz="1400" dirty="0"/>
           </a:p>
         </p:txBody>
       </p:sp>
@@ -5265,6 +5264,36 @@
           </a:p>
         </p:txBody>
       </p:sp>
+      <p:sp>
+        <p:nvSpPr>
+          <p:cNvPr id="2" name="TextBox 1"/>
+          <p:cNvSpPr txBox="1"/>
+          <p:nvPr/>
+        </p:nvSpPr>
+        <p:spPr>
+          <a:xfrm>
+            <a:off x="4602480" y="5813747"/>
+            <a:ext cx="5257800" cy="369332"/>
+          </a:xfrm>
+          <a:prstGeom prst="rect">
+            <a:avLst/>
+          </a:prstGeom>
+          <a:noFill/>
+        </p:spPr>
+        <p:txBody>
+          <a:bodyPr wrap="square" rtlCol="0">
+            <a:spAutoFit/>
+          </a:bodyPr>
+          <a:lstStyle/>
+          <a:p>
+            <a:r>
+              <a:rPr lang="en-US" dirty="0" smtClean="0"/>
+              <a:t>Add the IFD boxplots with these?!</a:t>
+            </a:r>
+            <a:endParaRPr lang="en-US" dirty="0"/>
+          </a:p>
+        </p:txBody>
+      </p:sp>
     </p:spTree>
     <p:extLst>
       <p:ext uri="{BB962C8B-B14F-4D97-AF65-F5344CB8AC3E}">

--- a/IFD_figure_ideas.pptx
+++ b/IFD_figure_ideas.pptx
@@ -5,12 +5,13 @@
     <p:sldMasterId id="2147483648" r:id="rId1"/>
   </p:sldMasterIdLst>
   <p:notesMasterIdLst>
-    <p:notesMasterId r:id="rId5"/>
+    <p:notesMasterId r:id="rId6"/>
   </p:notesMasterIdLst>
   <p:sldIdLst>
     <p:sldId id="257" r:id="rId2"/>
     <p:sldId id="258" r:id="rId3"/>
     <p:sldId id="259" r:id="rId4"/>
+    <p:sldId id="260" r:id="rId5"/>
   </p:sldIdLst>
   <p:sldSz cx="12192000" cy="6858000"/>
   <p:notesSz cx="6858000" cy="9144000"/>
@@ -210,7 +211,7 @@
           <a:p>
             <a:fld id="{7E932C88-DB13-4CDC-93CF-3D59020D99F0}" type="datetimeFigureOut">
               <a:rPr lang="en-US" smtClean="0"/>
-              <a:t>4/15/2020</a:t>
+              <a:t>4/20/2020</a:t>
             </a:fld>
             <a:endParaRPr lang="en-US"/>
           </a:p>
@@ -813,6 +814,94 @@
 </p:notes>
 </file>
 
+<file path=ppt/notesSlides/notesSlide4.xml><?xml version="1.0" encoding="utf-8"?>
+<p:notes xmlns:a="http://schemas.openxmlformats.org/drawingml/2006/main" xmlns:r="http://schemas.openxmlformats.org/officeDocument/2006/relationships" xmlns:p="http://schemas.openxmlformats.org/presentationml/2006/main">
+  <p:cSld>
+    <p:spTree>
+      <p:nvGrpSpPr>
+        <p:cNvPr id="1" name=""/>
+        <p:cNvGrpSpPr/>
+        <p:nvPr/>
+      </p:nvGrpSpPr>
+      <p:grpSpPr>
+        <a:xfrm>
+          <a:off x="0" y="0"/>
+          <a:ext cx="0" cy="0"/>
+          <a:chOff x="0" y="0"/>
+          <a:chExt cx="0" cy="0"/>
+        </a:xfrm>
+      </p:grpSpPr>
+      <p:sp>
+        <p:nvSpPr>
+          <p:cNvPr id="2" name="Slide Image Placeholder 1"/>
+          <p:cNvSpPr>
+            <a:spLocks noGrp="1" noRot="1" noChangeAspect="1"/>
+          </p:cNvSpPr>
+          <p:nvPr>
+            <p:ph type="sldImg"/>
+          </p:nvPr>
+        </p:nvSpPr>
+        <p:spPr/>
+      </p:sp>
+      <p:sp>
+        <p:nvSpPr>
+          <p:cNvPr id="3" name="Notes Placeholder 2"/>
+          <p:cNvSpPr>
+            <a:spLocks noGrp="1"/>
+          </p:cNvSpPr>
+          <p:nvPr>
+            <p:ph type="body" idx="1"/>
+          </p:nvPr>
+        </p:nvSpPr>
+        <p:spPr/>
+        <p:txBody>
+          <a:bodyPr/>
+          <a:lstStyle/>
+          <a:p>
+            <a:r>
+              <a:rPr lang="en-US" dirty="0" smtClean="0"/>
+              <a:t>Male boxplots for IFD</a:t>
+            </a:r>
+            <a:endParaRPr lang="en-US" dirty="0"/>
+          </a:p>
+        </p:txBody>
+      </p:sp>
+      <p:sp>
+        <p:nvSpPr>
+          <p:cNvPr id="4" name="Slide Number Placeholder 3"/>
+          <p:cNvSpPr>
+            <a:spLocks noGrp="1"/>
+          </p:cNvSpPr>
+          <p:nvPr>
+            <p:ph type="sldNum" sz="quarter" idx="10"/>
+          </p:nvPr>
+        </p:nvSpPr>
+        <p:spPr/>
+        <p:txBody>
+          <a:bodyPr/>
+          <a:lstStyle/>
+          <a:p>
+            <a:fld id="{6DBAFB76-428B-403B-AF26-13DBE3575732}" type="slidenum">
+              <a:rPr lang="en-US" smtClean="0"/>
+              <a:t>4</a:t>
+            </a:fld>
+            <a:endParaRPr lang="en-US"/>
+          </a:p>
+        </p:txBody>
+      </p:sp>
+    </p:spTree>
+    <p:extLst>
+      <p:ext uri="{BB962C8B-B14F-4D97-AF65-F5344CB8AC3E}">
+        <p14:creationId xmlns:p14="http://schemas.microsoft.com/office/powerpoint/2010/main" val="3007374469"/>
+      </p:ext>
+    </p:extLst>
+  </p:cSld>
+  <p:clrMapOvr>
+    <a:masterClrMapping/>
+  </p:clrMapOvr>
+</p:notes>
+</file>
+
 <file path=ppt/slideLayouts/slideLayout1.xml><?xml version="1.0" encoding="utf-8"?>
 <p:sldLayout xmlns:a="http://schemas.openxmlformats.org/drawingml/2006/main" xmlns:r="http://schemas.openxmlformats.org/officeDocument/2006/relationships" xmlns:p="http://schemas.openxmlformats.org/presentationml/2006/main" type="title" preserve="1">
   <p:cSld name="Title Slide">
@@ -944,7 +1033,7 @@
           <a:p>
             <a:fld id="{53FBB08D-8B6E-4CC4-AAFF-DAD484D199D5}" type="datetimeFigureOut">
               <a:rPr lang="en-US" smtClean="0"/>
-              <a:t>4/15/2020</a:t>
+              <a:t>4/20/2020</a:t>
             </a:fld>
             <a:endParaRPr lang="en-US"/>
           </a:p>
@@ -1114,7 +1203,7 @@
           <a:p>
             <a:fld id="{53FBB08D-8B6E-4CC4-AAFF-DAD484D199D5}" type="datetimeFigureOut">
               <a:rPr lang="en-US" smtClean="0"/>
-              <a:t>4/15/2020</a:t>
+              <a:t>4/20/2020</a:t>
             </a:fld>
             <a:endParaRPr lang="en-US"/>
           </a:p>
@@ -1294,7 +1383,7 @@
           <a:p>
             <a:fld id="{53FBB08D-8B6E-4CC4-AAFF-DAD484D199D5}" type="datetimeFigureOut">
               <a:rPr lang="en-US" smtClean="0"/>
-              <a:t>4/15/2020</a:t>
+              <a:t>4/20/2020</a:t>
             </a:fld>
             <a:endParaRPr lang="en-US"/>
           </a:p>
@@ -1464,7 +1553,7 @@
           <a:p>
             <a:fld id="{53FBB08D-8B6E-4CC4-AAFF-DAD484D199D5}" type="datetimeFigureOut">
               <a:rPr lang="en-US" smtClean="0"/>
-              <a:t>4/15/2020</a:t>
+              <a:t>4/20/2020</a:t>
             </a:fld>
             <a:endParaRPr lang="en-US"/>
           </a:p>
@@ -1710,7 +1799,7 @@
           <a:p>
             <a:fld id="{53FBB08D-8B6E-4CC4-AAFF-DAD484D199D5}" type="datetimeFigureOut">
               <a:rPr lang="en-US" smtClean="0"/>
-              <a:t>4/15/2020</a:t>
+              <a:t>4/20/2020</a:t>
             </a:fld>
             <a:endParaRPr lang="en-US"/>
           </a:p>
@@ -1942,7 +2031,7 @@
           <a:p>
             <a:fld id="{53FBB08D-8B6E-4CC4-AAFF-DAD484D199D5}" type="datetimeFigureOut">
               <a:rPr lang="en-US" smtClean="0"/>
-              <a:t>4/15/2020</a:t>
+              <a:t>4/20/2020</a:t>
             </a:fld>
             <a:endParaRPr lang="en-US"/>
           </a:p>
@@ -2309,7 +2398,7 @@
           <a:p>
             <a:fld id="{53FBB08D-8B6E-4CC4-AAFF-DAD484D199D5}" type="datetimeFigureOut">
               <a:rPr lang="en-US" smtClean="0"/>
-              <a:t>4/15/2020</a:t>
+              <a:t>4/20/2020</a:t>
             </a:fld>
             <a:endParaRPr lang="en-US"/>
           </a:p>
@@ -2427,7 +2516,7 @@
           <a:p>
             <a:fld id="{53FBB08D-8B6E-4CC4-AAFF-DAD484D199D5}" type="datetimeFigureOut">
               <a:rPr lang="en-US" smtClean="0"/>
-              <a:t>4/15/2020</a:t>
+              <a:t>4/20/2020</a:t>
             </a:fld>
             <a:endParaRPr lang="en-US"/>
           </a:p>
@@ -2522,7 +2611,7 @@
           <a:p>
             <a:fld id="{53FBB08D-8B6E-4CC4-AAFF-DAD484D199D5}" type="datetimeFigureOut">
               <a:rPr lang="en-US" smtClean="0"/>
-              <a:t>4/15/2020</a:t>
+              <a:t>4/20/2020</a:t>
             </a:fld>
             <a:endParaRPr lang="en-US"/>
           </a:p>
@@ -2799,7 +2888,7 @@
           <a:p>
             <a:fld id="{53FBB08D-8B6E-4CC4-AAFF-DAD484D199D5}" type="datetimeFigureOut">
               <a:rPr lang="en-US" smtClean="0"/>
-              <a:t>4/15/2020</a:t>
+              <a:t>4/20/2020</a:t>
             </a:fld>
             <a:endParaRPr lang="en-US"/>
           </a:p>
@@ -3052,7 +3141,7 @@
           <a:p>
             <a:fld id="{53FBB08D-8B6E-4CC4-AAFF-DAD484D199D5}" type="datetimeFigureOut">
               <a:rPr lang="en-US" smtClean="0"/>
-              <a:t>4/15/2020</a:t>
+              <a:t>4/20/2020</a:t>
             </a:fld>
             <a:endParaRPr lang="en-US"/>
           </a:p>
@@ -3265,7 +3354,7 @@
           <a:p>
             <a:fld id="{53FBB08D-8B6E-4CC4-AAFF-DAD484D199D5}" type="datetimeFigureOut">
               <a:rPr lang="en-US" smtClean="0"/>
-              <a:t>4/15/2020</a:t>
+              <a:t>4/20/2020</a:t>
             </a:fld>
             <a:endParaRPr lang="en-US"/>
           </a:p>
@@ -5597,6 +5686,79 @@
 </p:sld>
 </file>
 
+<file path=ppt/slides/slide4.xml><?xml version="1.0" encoding="utf-8"?>
+<p:sld xmlns:a="http://schemas.openxmlformats.org/drawingml/2006/main" xmlns:r="http://schemas.openxmlformats.org/officeDocument/2006/relationships" xmlns:p="http://schemas.openxmlformats.org/presentationml/2006/main">
+  <p:cSld>
+    <p:spTree>
+      <p:nvGrpSpPr>
+        <p:cNvPr id="1" name=""/>
+        <p:cNvGrpSpPr/>
+        <p:nvPr/>
+      </p:nvGrpSpPr>
+      <p:grpSpPr>
+        <a:xfrm>
+          <a:off x="0" y="0"/>
+          <a:ext cx="0" cy="0"/>
+          <a:chOff x="0" y="0"/>
+          <a:chExt cx="0" cy="0"/>
+        </a:xfrm>
+      </p:grpSpPr>
+      <p:sp>
+        <p:nvSpPr>
+          <p:cNvPr id="2" name="Title 1"/>
+          <p:cNvSpPr>
+            <a:spLocks noGrp="1"/>
+          </p:cNvSpPr>
+          <p:nvPr>
+            <p:ph type="title"/>
+          </p:nvPr>
+        </p:nvSpPr>
+        <p:spPr/>
+        <p:txBody>
+          <a:bodyPr/>
+          <a:lstStyle/>
+          <a:p>
+            <a:endParaRPr lang="en-US"/>
+          </a:p>
+        </p:txBody>
+      </p:sp>
+      <p:pic>
+        <p:nvPicPr>
+          <p:cNvPr id="4" name="Picture 3"/>
+          <p:cNvPicPr>
+            <a:picLocks noChangeAspect="1"/>
+          </p:cNvPicPr>
+          <p:nvPr/>
+        </p:nvPicPr>
+        <p:blipFill>
+          <a:blip r:embed="rId3"/>
+          <a:stretch>
+            <a:fillRect/>
+          </a:stretch>
+        </p:blipFill>
+        <p:spPr>
+          <a:xfrm>
+            <a:off x="5773056" y="1845980"/>
+            <a:ext cx="5161905" cy="4285714"/>
+          </a:xfrm>
+          <a:prstGeom prst="rect">
+            <a:avLst/>
+          </a:prstGeom>
+        </p:spPr>
+      </p:pic>
+    </p:spTree>
+    <p:extLst>
+      <p:ext uri="{BB962C8B-B14F-4D97-AF65-F5344CB8AC3E}">
+        <p14:creationId xmlns:p14="http://schemas.microsoft.com/office/powerpoint/2010/main" val="3442828488"/>
+      </p:ext>
+    </p:extLst>
+  </p:cSld>
+  <p:clrMapOvr>
+    <a:masterClrMapping/>
+  </p:clrMapOvr>
+</p:sld>
+</file>
+
 <file path=ppt/theme/theme1.xml><?xml version="1.0" encoding="utf-8"?>
 <a:theme xmlns:a="http://schemas.openxmlformats.org/drawingml/2006/main" name="Office Theme">
   <a:themeElements>

--- a/IFD_figure_ideas.pptx
+++ b/IFD_figure_ideas.pptx
@@ -211,7 +211,7 @@
           <a:p>
             <a:fld id="{7E932C88-DB13-4CDC-93CF-3D59020D99F0}" type="datetimeFigureOut">
               <a:rPr lang="en-US" smtClean="0"/>
-              <a:t>4/20/2020</a:t>
+              <a:t>4/21/2020</a:t>
             </a:fld>
             <a:endParaRPr lang="en-US"/>
           </a:p>
@@ -1033,7 +1033,7 @@
           <a:p>
             <a:fld id="{53FBB08D-8B6E-4CC4-AAFF-DAD484D199D5}" type="datetimeFigureOut">
               <a:rPr lang="en-US" smtClean="0"/>
-              <a:t>4/20/2020</a:t>
+              <a:t>4/21/2020</a:t>
             </a:fld>
             <a:endParaRPr lang="en-US"/>
           </a:p>
@@ -1203,7 +1203,7 @@
           <a:p>
             <a:fld id="{53FBB08D-8B6E-4CC4-AAFF-DAD484D199D5}" type="datetimeFigureOut">
               <a:rPr lang="en-US" smtClean="0"/>
-              <a:t>4/20/2020</a:t>
+              <a:t>4/21/2020</a:t>
             </a:fld>
             <a:endParaRPr lang="en-US"/>
           </a:p>
@@ -1383,7 +1383,7 @@
           <a:p>
             <a:fld id="{53FBB08D-8B6E-4CC4-AAFF-DAD484D199D5}" type="datetimeFigureOut">
               <a:rPr lang="en-US" smtClean="0"/>
-              <a:t>4/20/2020</a:t>
+              <a:t>4/21/2020</a:t>
             </a:fld>
             <a:endParaRPr lang="en-US"/>
           </a:p>
@@ -1553,7 +1553,7 @@
           <a:p>
             <a:fld id="{53FBB08D-8B6E-4CC4-AAFF-DAD484D199D5}" type="datetimeFigureOut">
               <a:rPr lang="en-US" smtClean="0"/>
-              <a:t>4/20/2020</a:t>
+              <a:t>4/21/2020</a:t>
             </a:fld>
             <a:endParaRPr lang="en-US"/>
           </a:p>
@@ -1799,7 +1799,7 @@
           <a:p>
             <a:fld id="{53FBB08D-8B6E-4CC4-AAFF-DAD484D199D5}" type="datetimeFigureOut">
               <a:rPr lang="en-US" smtClean="0"/>
-              <a:t>4/20/2020</a:t>
+              <a:t>4/21/2020</a:t>
             </a:fld>
             <a:endParaRPr lang="en-US"/>
           </a:p>
@@ -2031,7 +2031,7 @@
           <a:p>
             <a:fld id="{53FBB08D-8B6E-4CC4-AAFF-DAD484D199D5}" type="datetimeFigureOut">
               <a:rPr lang="en-US" smtClean="0"/>
-              <a:t>4/20/2020</a:t>
+              <a:t>4/21/2020</a:t>
             </a:fld>
             <a:endParaRPr lang="en-US"/>
           </a:p>
@@ -2398,7 +2398,7 @@
           <a:p>
             <a:fld id="{53FBB08D-8B6E-4CC4-AAFF-DAD484D199D5}" type="datetimeFigureOut">
               <a:rPr lang="en-US" smtClean="0"/>
-              <a:t>4/20/2020</a:t>
+              <a:t>4/21/2020</a:t>
             </a:fld>
             <a:endParaRPr lang="en-US"/>
           </a:p>
@@ -2516,7 +2516,7 @@
           <a:p>
             <a:fld id="{53FBB08D-8B6E-4CC4-AAFF-DAD484D199D5}" type="datetimeFigureOut">
               <a:rPr lang="en-US" smtClean="0"/>
-              <a:t>4/20/2020</a:t>
+              <a:t>4/21/2020</a:t>
             </a:fld>
             <a:endParaRPr lang="en-US"/>
           </a:p>
@@ -2611,7 +2611,7 @@
           <a:p>
             <a:fld id="{53FBB08D-8B6E-4CC4-AAFF-DAD484D199D5}" type="datetimeFigureOut">
               <a:rPr lang="en-US" smtClean="0"/>
-              <a:t>4/20/2020</a:t>
+              <a:t>4/21/2020</a:t>
             </a:fld>
             <a:endParaRPr lang="en-US"/>
           </a:p>
@@ -2888,7 +2888,7 @@
           <a:p>
             <a:fld id="{53FBB08D-8B6E-4CC4-AAFF-DAD484D199D5}" type="datetimeFigureOut">
               <a:rPr lang="en-US" smtClean="0"/>
-              <a:t>4/20/2020</a:t>
+              <a:t>4/21/2020</a:t>
             </a:fld>
             <a:endParaRPr lang="en-US"/>
           </a:p>
@@ -3141,7 +3141,7 @@
           <a:p>
             <a:fld id="{53FBB08D-8B6E-4CC4-AAFF-DAD484D199D5}" type="datetimeFigureOut">
               <a:rPr lang="en-US" smtClean="0"/>
-              <a:t>4/20/2020</a:t>
+              <a:t>4/21/2020</a:t>
             </a:fld>
             <a:endParaRPr lang="en-US"/>
           </a:p>
@@ -3354,7 +3354,7 @@
           <a:p>
             <a:fld id="{53FBB08D-8B6E-4CC4-AAFF-DAD484D199D5}" type="datetimeFigureOut">
               <a:rPr lang="en-US" smtClean="0"/>
-              <a:t>4/20/2020</a:t>
+              <a:t>4/21/2020</a:t>
             </a:fld>
             <a:endParaRPr lang="en-US"/>
           </a:p>
@@ -5738,8 +5738,8 @@
         </p:blipFill>
         <p:spPr>
           <a:xfrm>
-            <a:off x="5773056" y="1845980"/>
-            <a:ext cx="5161905" cy="4285714"/>
+            <a:off x="411597" y="583827"/>
+            <a:ext cx="7250965" cy="6020173"/>
           </a:xfrm>
           <a:prstGeom prst="rect">
             <a:avLst/>
